--- a/Management Paper & Poster/PosterBearbeitet_2.pptx
+++ b/Management Paper & Poster/PosterBearbeitet_2.pptx
@@ -6335,14 +6335,14 @@
           </a:ln>
           <a:extLst>
             <a:ext uri="{909E8E84-426E-40dd-AFC4-6F175D3DCCD1}">
-              <a14:hiddenFill xmlns:a14="http://schemas.microsoft.com/office/drawing/2010/main" xmlns="">
+              <a14:hiddenFill xmlns="" xmlns:a14="http://schemas.microsoft.com/office/drawing/2010/main">
                 <a:solidFill>
                   <a:srgbClr val="FFFFFF"/>
                 </a:solidFill>
               </a14:hiddenFill>
             </a:ext>
             <a:ext uri="{FAA26D3D-D897-4be2-8F04-BA451C77F1D7}">
-              <ma14:placeholderFlag xmlns:ma14="http://schemas.microsoft.com/office/mac/drawingml/2011/main" xmlns="" val="1"/>
+              <ma14:placeholderFlag xmlns="" xmlns:ma14="http://schemas.microsoft.com/office/mac/drawingml/2011/main" val="1"/>
             </a:ext>
           </a:extLst>
         </p:spPr>
@@ -8579,14 +8579,14 @@
           </a:ln>
           <a:extLst>
             <a:ext uri="{909E8E84-426E-40dd-AFC4-6F175D3DCCD1}">
-              <a14:hiddenFill xmlns:a14="http://schemas.microsoft.com/office/drawing/2010/main" xmlns="">
+              <a14:hiddenFill xmlns="" xmlns:a14="http://schemas.microsoft.com/office/drawing/2010/main">
                 <a:solidFill>
                   <a:srgbClr val="FFFFFF"/>
                 </a:solidFill>
               </a14:hiddenFill>
             </a:ext>
             <a:ext uri="{91240B29-F687-4f45-9708-019B960494DF}">
-              <a14:hiddenLine xmlns:a14="http://schemas.microsoft.com/office/drawing/2010/main" xmlns="" w="9525">
+              <a14:hiddenLine xmlns="" xmlns:a14="http://schemas.microsoft.com/office/drawing/2010/main" w="9525">
                 <a:solidFill>
                   <a:srgbClr val="000000"/>
                 </a:solidFill>
@@ -8596,7 +8596,7 @@
               </a14:hiddenLine>
             </a:ext>
             <a:ext uri="{FAA26D3D-D897-4be2-8F04-BA451C77F1D7}">
-              <ma14:placeholderFlag xmlns:ma14="http://schemas.microsoft.com/office/mac/drawingml/2011/main" xmlns="" val="1"/>
+              <ma14:placeholderFlag xmlns="" xmlns:ma14="http://schemas.microsoft.com/office/mac/drawingml/2011/main" val="1"/>
             </a:ext>
           </a:extLst>
         </p:spPr>
@@ -10933,14 +10933,14 @@
           </a:ln>
           <a:extLst>
             <a:ext uri="{909E8E84-426E-40dd-AFC4-6F175D3DCCD1}">
-              <a14:hiddenFill xmlns:a14="http://schemas.microsoft.com/office/drawing/2010/main" xmlns="">
+              <a14:hiddenFill xmlns="" xmlns:a14="http://schemas.microsoft.com/office/drawing/2010/main">
                 <a:solidFill>
                   <a:srgbClr val="FFFFFF"/>
                 </a:solidFill>
               </a14:hiddenFill>
             </a:ext>
             <a:ext uri="{91240B29-F687-4f45-9708-019B960494DF}">
-              <a14:hiddenLine xmlns:a14="http://schemas.microsoft.com/office/drawing/2010/main" xmlns="" w="9525">
+              <a14:hiddenLine xmlns="" xmlns:a14="http://schemas.microsoft.com/office/drawing/2010/main" w="9525">
                 <a:solidFill>
                   <a:srgbClr val="000000"/>
                 </a:solidFill>
@@ -10950,7 +10950,7 @@
               </a14:hiddenLine>
             </a:ext>
             <a:ext uri="{FAA26D3D-D897-4be2-8F04-BA451C77F1D7}">
-              <ma14:placeholderFlag xmlns:ma14="http://schemas.microsoft.com/office/mac/drawingml/2011/main" xmlns="" val="1"/>
+              <ma14:placeholderFlag xmlns="" xmlns:ma14="http://schemas.microsoft.com/office/mac/drawingml/2011/main" val="1"/>
             </a:ext>
           </a:extLst>
         </p:spPr>
@@ -10994,14 +10994,14 @@
           </a:ln>
           <a:extLst>
             <a:ext uri="{909E8E84-426E-40dd-AFC4-6F175D3DCCD1}">
-              <a14:hiddenFill xmlns:a14="http://schemas.microsoft.com/office/drawing/2010/main" xmlns="">
+              <a14:hiddenFill xmlns="" xmlns:a14="http://schemas.microsoft.com/office/drawing/2010/main">
                 <a:solidFill>
                   <a:srgbClr val="FFFFFF"/>
                 </a:solidFill>
               </a14:hiddenFill>
             </a:ext>
             <a:ext uri="{91240B29-F687-4f45-9708-019B960494DF}">
-              <a14:hiddenLine xmlns:a14="http://schemas.microsoft.com/office/drawing/2010/main" xmlns="" w="9525">
+              <a14:hiddenLine xmlns="" xmlns:a14="http://schemas.microsoft.com/office/drawing/2010/main" w="9525">
                 <a:solidFill>
                   <a:srgbClr val="000000"/>
                 </a:solidFill>
@@ -11011,7 +11011,7 @@
               </a14:hiddenLine>
             </a:ext>
             <a:ext uri="{FAA26D3D-D897-4be2-8F04-BA451C77F1D7}">
-              <ma14:placeholderFlag xmlns:ma14="http://schemas.microsoft.com/office/mac/drawingml/2011/main" xmlns="" val="1"/>
+              <ma14:placeholderFlag xmlns="" xmlns:ma14="http://schemas.microsoft.com/office/mac/drawingml/2011/main" val="1"/>
             </a:ext>
           </a:extLst>
         </p:spPr>
@@ -11978,7 +11978,19 @@
               <a:rPr lang="de-AT" sz="3200" kern="0" dirty="0">
                 <a:effectLst/>
               </a:rPr>
-              <a:t>           - Fragebogenentwicklung und Ergebungsarten (CAPI, CATI, Paper and </a:t>
+              <a:t>           - Fragebogenentwicklung </a:t>
+            </a:r>
+            <a:r>
+              <a:rPr lang="de-AT" sz="3200" kern="0">
+                <a:effectLst/>
+              </a:rPr>
+              <a:t>und Erhebungsarten </a:t>
+            </a:r>
+            <a:r>
+              <a:rPr lang="de-AT" sz="3200" kern="0" dirty="0">
+                <a:effectLst/>
+              </a:rPr>
+              <a:t>(CAPI, CATI, Paper and </a:t>
             </a:r>
             <a:r>
               <a:rPr lang="de-AT" sz="3200" kern="0" dirty="0" err="1">
